--- a/PR.pptx
+++ b/PR.pptx
@@ -114,6 +114,11 @@
       </a:defRPr>
     </a:lvl9pPr>
   </p:defaultTextStyle>
+  <p:extLst>
+    <p:ext uri="{EFAFB233-063F-42B5-8137-9DF3F51BA10A}">
+      <p15:sldGuideLst xmlns:p15="http://schemas.microsoft.com/office/powerpoint/2012/main"/>
+    </p:ext>
+  </p:extLst>
 </p:presentation>
 </file>
 
@@ -355,7 +360,7 @@
           <a:p>
             <a:fld id="{ED291B17-9318-49DB-B28B-6E5994AE9581}" type="datetime1">
               <a:rPr lang="en-US" smtClean="0"/>
-              <a:t>12/15/19</a:t>
+              <a:t>12/17/2019</a:t>
             </a:fld>
             <a:endParaRPr lang="en-US" dirty="0"/>
           </a:p>
@@ -558,7 +563,7 @@
           <a:p>
             <a:fld id="{2CED4963-E985-44C4-B8C4-FDD613B7C2F8}" type="datetime1">
               <a:rPr lang="en-US" smtClean="0"/>
-              <a:t>12/15/19</a:t>
+              <a:t>12/17/2019</a:t>
             </a:fld>
             <a:endParaRPr lang="en-US" dirty="0"/>
           </a:p>
@@ -920,7 +925,7 @@
           <a:p>
             <a:fld id="{ED291B17-9318-49DB-B28B-6E5994AE9581}" type="datetime1">
               <a:rPr lang="en-US" smtClean="0"/>
-              <a:t>12/15/19</a:t>
+              <a:t>12/17/2019</a:t>
             </a:fld>
             <a:endParaRPr lang="en-US" dirty="0"/>
           </a:p>
@@ -1118,7 +1123,7 @@
           <a:p>
             <a:fld id="{78DD82B9-B8EE-4375-B6FF-88FA6ABB15D9}" type="datetime1">
               <a:rPr lang="en-US" smtClean="0"/>
-              <a:t>12/15/19</a:t>
+              <a:t>12/17/2019</a:t>
             </a:fld>
             <a:endParaRPr lang="en-US" dirty="0"/>
           </a:p>
@@ -1430,7 +1435,7 @@
           <a:p>
             <a:fld id="{B2497495-0637-405E-AE64-5CC7506D51F5}" type="datetime1">
               <a:rPr lang="en-US" smtClean="0"/>
-              <a:t>12/15/19</a:t>
+              <a:t>12/17/2019</a:t>
             </a:fld>
             <a:endParaRPr lang="en-US" dirty="0"/>
           </a:p>
@@ -1683,7 +1688,7 @@
           <a:p>
             <a:fld id="{7BFFD690-9426-415D-8B65-26881E07B2D4}" type="datetime1">
               <a:rPr lang="en-US" smtClean="0"/>
-              <a:t>12/15/19</a:t>
+              <a:t>12/17/2019</a:t>
             </a:fld>
             <a:endParaRPr lang="en-US" dirty="0"/>
           </a:p>
@@ -2105,7 +2110,7 @@
           <a:p>
             <a:fld id="{04C4989A-474C-40DE-95B9-011C28B71673}" type="datetime1">
               <a:rPr lang="en-US" smtClean="0"/>
-              <a:t>12/15/19</a:t>
+              <a:t>12/17/2019</a:t>
             </a:fld>
             <a:endParaRPr lang="en-US" dirty="0"/>
           </a:p>
@@ -2228,7 +2233,7 @@
           <a:p>
             <a:fld id="{5DB4ED54-5B5E-4A04-93D3-5772E3CE3818}" type="datetime1">
               <a:rPr lang="en-US" smtClean="0"/>
-              <a:t>12/15/19</a:t>
+              <a:t>12/17/2019</a:t>
             </a:fld>
             <a:endParaRPr lang="en-US" dirty="0"/>
           </a:p>
@@ -2323,7 +2328,7 @@
           <a:p>
             <a:fld id="{4EDE50D6-574B-40AF-946F-D52A04ADE379}" type="datetime1">
               <a:rPr lang="en-US" smtClean="0"/>
-              <a:t>12/15/19</a:t>
+              <a:t>12/17/2019</a:t>
             </a:fld>
             <a:endParaRPr lang="en-US" dirty="0"/>
           </a:p>
@@ -2700,7 +2705,7 @@
           <a:p>
             <a:fld id="{D82884F1-FFEA-405F-9602-3DCA865EDA4E}" type="datetime1">
               <a:rPr lang="en-US" smtClean="0"/>
-              <a:t>12/15/19</a:t>
+              <a:t>12/17/2019</a:t>
             </a:fld>
             <a:endParaRPr lang="en-US" dirty="0"/>
           </a:p>
@@ -2993,7 +2998,7 @@
           <a:p>
             <a:fld id="{7E18DB4A-8810-4A10-AD5C-D5E2C667F5B3}" type="datetime1">
               <a:rPr lang="en-US" smtClean="0"/>
-              <a:t>12/15/19</a:t>
+              <a:t>12/17/2019</a:t>
             </a:fld>
             <a:endParaRPr lang="en-US" dirty="0"/>
           </a:p>
@@ -3208,7 +3213,7 @@
           <a:p>
             <a:fld id="{ED291B17-9318-49DB-B28B-6E5994AE9581}" type="datetime1">
               <a:rPr lang="en-US" smtClean="0"/>
-              <a:t>12/15/19</a:t>
+              <a:t>12/17/2019</a:t>
             </a:fld>
             <a:endParaRPr lang="en-US" dirty="0"/>
           </a:p>
@@ -5782,14 +5787,14 @@
           <a:lstStyle/>
           <a:p>
             <a:r>
-              <a:rPr kumimoji="1" lang="ja-JP" altLang="en-US" sz="1500"/>
+              <a:rPr kumimoji="1" lang="ja-JP" altLang="en-US" sz="1500" dirty="0"/>
               <a:t>ジェスチャーでテトリスを</a:t>
             </a:r>
             <a:r>
-              <a:rPr kumimoji="1" lang="en-US" altLang="ja-JP" sz="1500" dirty="0" err="1"/>
-              <a:t>hogehoge</a:t>
-            </a:r>
-            <a:endParaRPr kumimoji="1" lang="ja-JP" altLang="en-US" sz="1500"/>
+              <a:rPr kumimoji="1" lang="en-US" altLang="ja-JP" sz="1500" dirty="0"/>
+              <a:t>Play</a:t>
+            </a:r>
+            <a:endParaRPr kumimoji="1" lang="ja-JP" altLang="en-US" sz="1500" dirty="0"/>
           </a:p>
         </p:txBody>
       </p:sp>
@@ -6072,7 +6077,7 @@
           <a:lstStyle/>
           <a:p>
             <a:r>
-              <a:rPr kumimoji="1" lang="ja-JP" altLang="en-US" sz="1500"/>
+              <a:rPr kumimoji="1" lang="ja-JP" altLang="en-US" sz="1500" dirty="0"/>
               <a:t>演習で用いた</a:t>
             </a:r>
             <a:r>
@@ -6080,14 +6085,14 @@
               <a:t>PyQt</a:t>
             </a:r>
             <a:r>
-              <a:rPr kumimoji="1" lang="ja-JP" altLang="en-US" sz="1500"/>
+              <a:rPr kumimoji="1" lang="ja-JP" altLang="en-US" sz="1500" dirty="0"/>
               <a:t>を使いたい！</a:t>
             </a:r>
             <a:endParaRPr kumimoji="1" lang="en-US" altLang="ja-JP" sz="1500" dirty="0"/>
           </a:p>
           <a:p>
             <a:r>
-              <a:rPr kumimoji="1" lang="ja-JP" altLang="en-US" sz="1500"/>
+              <a:rPr kumimoji="1" lang="ja-JP" altLang="en-US" sz="1500" dirty="0"/>
               <a:t>今流行の（？）</a:t>
             </a:r>
             <a:r>
@@ -6095,27 +6100,31 @@
               <a:t>AI</a:t>
             </a:r>
             <a:r>
-              <a:rPr kumimoji="1" lang="ja-JP" altLang="en-US" sz="1500"/>
+              <a:rPr kumimoji="1" lang="ja-JP" altLang="en-US" sz="1500" dirty="0"/>
               <a:t>も使いたい！</a:t>
             </a:r>
             <a:endParaRPr kumimoji="1" lang="en-US" altLang="ja-JP" sz="1500" dirty="0"/>
           </a:p>
           <a:p>
             <a:r>
-              <a:rPr kumimoji="1" lang="ja-JP" altLang="en-US" sz="1500"/>
+              <a:rPr kumimoji="1" lang="ja-JP" altLang="en-US" sz="1500" dirty="0"/>
               <a:t>実用的な発展をしそうなものを作りたい！</a:t>
             </a:r>
             <a:endParaRPr kumimoji="1" lang="en-US" altLang="ja-JP" sz="1500" dirty="0"/>
           </a:p>
           <a:p>
             <a:r>
-              <a:rPr kumimoji="1" lang="en-US" altLang="ja-JP" sz="1500" dirty="0" err="1"/>
-              <a:t>hogehoge</a:t>
-            </a:r>
-            <a:endParaRPr kumimoji="1" lang="ja-JP" altLang="en-US" sz="1500"/>
-          </a:p>
-          <a:p>
-            <a:endParaRPr kumimoji="1" lang="ja-JP" altLang="en-US" sz="1500"/>
+              <a:rPr kumimoji="1" lang="ja-JP" altLang="en-US" sz="1500" dirty="0"/>
+              <a:t>面白いとさらに</a:t>
+            </a:r>
+            <a:r>
+              <a:rPr kumimoji="1" lang="en-US" altLang="ja-JP" sz="1500"/>
+              <a:t>Good!</a:t>
+            </a:r>
+            <a:endParaRPr kumimoji="1" lang="ja-JP" altLang="en-US" sz="1500" dirty="0"/>
+          </a:p>
+          <a:p>
+            <a:endParaRPr kumimoji="1" lang="ja-JP" altLang="en-US" sz="1500" dirty="0"/>
           </a:p>
         </p:txBody>
       </p:sp>
@@ -7584,7 +7593,7 @@
           </a:p>
           <a:p>
             <a:r>
-              <a:rPr kumimoji="1" lang="ja-JP" altLang="en-US" sz="1500"/>
+              <a:rPr kumimoji="1" lang="ja-JP" altLang="en-US" sz="1500" dirty="0"/>
               <a:t>既存のプログラムを使う</a:t>
             </a:r>
             <a:r>
@@ -7592,23 +7601,50 @@
               <a:t>→</a:t>
             </a:r>
             <a:r>
-              <a:rPr kumimoji="1" lang="ja-JP" altLang="en-US" sz="1500"/>
+              <a:rPr kumimoji="1" lang="ja-JP" altLang="en-US" sz="1500" dirty="0"/>
               <a:t>失敗したから、独自にアルゴリズムを実装</a:t>
             </a:r>
             <a:endParaRPr kumimoji="1" lang="en-US" altLang="ja-JP" sz="1500" dirty="0"/>
           </a:p>
           <a:p>
             <a:r>
+              <a:rPr kumimoji="1" lang="en-US" altLang="ja-JP" sz="1500" dirty="0"/>
+              <a:t>Tetris</a:t>
+            </a:r>
+            <a:r>
+              <a:rPr kumimoji="1" lang="ja-JP" altLang="en-US" sz="1500" dirty="0"/>
+              <a:t>の</a:t>
+            </a:r>
+            <a:r>
+              <a:rPr kumimoji="1" lang="en-US" altLang="ja-JP" sz="1500" dirty="0"/>
+              <a:t>GUI</a:t>
+            </a:r>
+            <a:r>
+              <a:rPr kumimoji="1" lang="ja-JP" altLang="en-US" sz="1500" dirty="0"/>
+              <a:t>を、演習で作った</a:t>
+            </a:r>
+            <a:r>
               <a:rPr kumimoji="1" lang="en-US" altLang="ja-JP" sz="1500" dirty="0" err="1"/>
-              <a:t>hogehoge</a:t>
+              <a:t>Minesweeper_gui</a:t>
+            </a:r>
+            <a:r>
+              <a:rPr kumimoji="1" lang="ja-JP" altLang="en-US" sz="1500" dirty="0"/>
+              <a:t>を参考に作成</a:t>
             </a:r>
             <a:endParaRPr kumimoji="1" lang="en-US" altLang="ja-JP" sz="1500" dirty="0"/>
           </a:p>
           <a:p>
+            <a:r>
+              <a:rPr kumimoji="1" lang="ja-JP" altLang="en-US" sz="1500" dirty="0"/>
+              <a:t>サーバとの通信が安定して行えるように、なるべく動作が軽量になるように改良</a:t>
+            </a:r>
             <a:endParaRPr kumimoji="1" lang="en-US" altLang="ja-JP" sz="1500" dirty="0"/>
           </a:p>
           <a:p>
-            <a:endParaRPr kumimoji="1" lang="ja-JP" altLang="en-US" sz="1500"/>
+            <a:endParaRPr kumimoji="1" lang="en-US" altLang="ja-JP" sz="1500" dirty="0"/>
+          </a:p>
+          <a:p>
+            <a:endParaRPr kumimoji="1" lang="ja-JP" altLang="en-US" sz="1500" dirty="0"/>
           </a:p>
         </p:txBody>
       </p:sp>
@@ -8025,14 +8061,14 @@
           <a:lstStyle/>
           <a:p>
             <a:r>
-              <a:rPr kumimoji="1" lang="en-US" altLang="ja-JP" sz="3000" dirty="0">
+              <a:rPr kumimoji="1" lang="en-US" altLang="ja-JP" sz="2800" dirty="0">
                 <a:solidFill>
                   <a:schemeClr val="accent1"/>
                 </a:solidFill>
               </a:rPr>
               <a:t>Demonstration</a:t>
             </a:r>
-            <a:endParaRPr kumimoji="1" lang="ja-JP" altLang="en-US" sz="3000">
+            <a:endParaRPr kumimoji="1" lang="ja-JP" altLang="en-US" sz="2800" dirty="0">
               <a:solidFill>
                 <a:schemeClr val="accent1"/>
               </a:solidFill>

--- a/PR.pptx
+++ b/PR.pptx
@@ -5793,6 +5793,19 @@
             <a:r>
               <a:rPr kumimoji="1" lang="en-US" altLang="ja-JP" sz="1500" dirty="0"/>
               <a:t>Play</a:t>
+            </a:r>
+          </a:p>
+          <a:p>
+            <a:r>
+              <a:rPr kumimoji="1" lang="ja-JP" altLang="en-US" sz="1500" dirty="0"/>
+              <a:t>コマンドの入力はジェスチャーで行う</a:t>
+            </a:r>
+            <a:endParaRPr kumimoji="1" lang="en-US" altLang="ja-JP" sz="1500" dirty="0"/>
+          </a:p>
+          <a:p>
+            <a:r>
+              <a:rPr kumimoji="1" lang="ja-JP" altLang="en-US" sz="1500"/>
+              <a:t>サーバを利用して通信対戦</a:t>
             </a:r>
             <a:endParaRPr kumimoji="1" lang="ja-JP" altLang="en-US" sz="1500" dirty="0"/>
           </a:p>

--- a/PR.pptx
+++ b/PR.pptx
@@ -360,7 +360,7 @@
           <a:p>
             <a:fld id="{ED291B17-9318-49DB-B28B-6E5994AE9581}" type="datetime1">
               <a:rPr lang="en-US" smtClean="0"/>
-              <a:t>12/17/2019</a:t>
+              <a:t>12/18/19</a:t>
             </a:fld>
             <a:endParaRPr lang="en-US" dirty="0"/>
           </a:p>
@@ -563,7 +563,7 @@
           <a:p>
             <a:fld id="{2CED4963-E985-44C4-B8C4-FDD613B7C2F8}" type="datetime1">
               <a:rPr lang="en-US" smtClean="0"/>
-              <a:t>12/17/2019</a:t>
+              <a:t>12/18/19</a:t>
             </a:fld>
             <a:endParaRPr lang="en-US" dirty="0"/>
           </a:p>
@@ -925,7 +925,7 @@
           <a:p>
             <a:fld id="{ED291B17-9318-49DB-B28B-6E5994AE9581}" type="datetime1">
               <a:rPr lang="en-US" smtClean="0"/>
-              <a:t>12/17/2019</a:t>
+              <a:t>12/18/19</a:t>
             </a:fld>
             <a:endParaRPr lang="en-US" dirty="0"/>
           </a:p>
@@ -1123,7 +1123,7 @@
           <a:p>
             <a:fld id="{78DD82B9-B8EE-4375-B6FF-88FA6ABB15D9}" type="datetime1">
               <a:rPr lang="en-US" smtClean="0"/>
-              <a:t>12/17/2019</a:t>
+              <a:t>12/18/19</a:t>
             </a:fld>
             <a:endParaRPr lang="en-US" dirty="0"/>
           </a:p>
@@ -1435,7 +1435,7 @@
           <a:p>
             <a:fld id="{B2497495-0637-405E-AE64-5CC7506D51F5}" type="datetime1">
               <a:rPr lang="en-US" smtClean="0"/>
-              <a:t>12/17/2019</a:t>
+              <a:t>12/18/19</a:t>
             </a:fld>
             <a:endParaRPr lang="en-US" dirty="0"/>
           </a:p>
@@ -1688,7 +1688,7 @@
           <a:p>
             <a:fld id="{7BFFD690-9426-415D-8B65-26881E07B2D4}" type="datetime1">
               <a:rPr lang="en-US" smtClean="0"/>
-              <a:t>12/17/2019</a:t>
+              <a:t>12/18/19</a:t>
             </a:fld>
             <a:endParaRPr lang="en-US" dirty="0"/>
           </a:p>
@@ -2110,7 +2110,7 @@
           <a:p>
             <a:fld id="{04C4989A-474C-40DE-95B9-011C28B71673}" type="datetime1">
               <a:rPr lang="en-US" smtClean="0"/>
-              <a:t>12/17/2019</a:t>
+              <a:t>12/18/19</a:t>
             </a:fld>
             <a:endParaRPr lang="en-US" dirty="0"/>
           </a:p>
@@ -2233,7 +2233,7 @@
           <a:p>
             <a:fld id="{5DB4ED54-5B5E-4A04-93D3-5772E3CE3818}" type="datetime1">
               <a:rPr lang="en-US" smtClean="0"/>
-              <a:t>12/17/2019</a:t>
+              <a:t>12/18/19</a:t>
             </a:fld>
             <a:endParaRPr lang="en-US" dirty="0"/>
           </a:p>
@@ -2328,7 +2328,7 @@
           <a:p>
             <a:fld id="{4EDE50D6-574B-40AF-946F-D52A04ADE379}" type="datetime1">
               <a:rPr lang="en-US" smtClean="0"/>
-              <a:t>12/17/2019</a:t>
+              <a:t>12/18/19</a:t>
             </a:fld>
             <a:endParaRPr lang="en-US" dirty="0"/>
           </a:p>
@@ -2705,7 +2705,7 @@
           <a:p>
             <a:fld id="{D82884F1-FFEA-405F-9602-3DCA865EDA4E}" type="datetime1">
               <a:rPr lang="en-US" smtClean="0"/>
-              <a:t>12/17/2019</a:t>
+              <a:t>12/18/19</a:t>
             </a:fld>
             <a:endParaRPr lang="en-US" dirty="0"/>
           </a:p>
@@ -2998,7 +2998,7 @@
           <a:p>
             <a:fld id="{7E18DB4A-8810-4A10-AD5C-D5E2C667F5B3}" type="datetime1">
               <a:rPr lang="en-US" smtClean="0"/>
-              <a:t>12/17/2019</a:t>
+              <a:t>12/18/19</a:t>
             </a:fld>
             <a:endParaRPr lang="en-US" dirty="0"/>
           </a:p>
@@ -3213,7 +3213,7 @@
           <a:p>
             <a:fld id="{ED291B17-9318-49DB-B28B-6E5994AE9581}" type="datetime1">
               <a:rPr lang="en-US" smtClean="0"/>
-              <a:t>12/17/2019</a:t>
+              <a:t>12/18/19</a:t>
             </a:fld>
             <a:endParaRPr lang="en-US" dirty="0"/>
           </a:p>
@@ -4466,14 +4466,14 @@
             <p:ph idx="1"/>
             <p:extLst>
               <p:ext uri="{D42A27DB-BD31-4B8C-83A1-F6EECF244321}">
-                <p14:modId xmlns:p14="http://schemas.microsoft.com/office/powerpoint/2010/main" val="1783181537"/>
+                <p14:modId xmlns:p14="http://schemas.microsoft.com/office/powerpoint/2010/main" val="3755931143"/>
               </p:ext>
             </p:extLst>
           </p:nvPr>
         </p:nvGraphicFramePr>
         <p:xfrm>
-          <a:off x="3838575" y="842963"/>
-          <a:ext cx="4868862" cy="2885440"/>
+          <a:off x="3838188" y="717550"/>
+          <a:ext cx="4937761" cy="3708400"/>
         </p:xfrm>
         <a:graphic>
           <a:graphicData uri="http://schemas.openxmlformats.org/drawingml/2006/table">
@@ -4482,21 +4482,21 @@
                 <a:tableStyleId>{5C22544A-7EE6-4342-B048-85BDC9FD1C3A}</a:tableStyleId>
               </a:tblPr>
               <a:tblGrid>
-                <a:gridCol w="1417237">
+                <a:gridCol w="1242600">
                   <a:extLst>
                     <a:ext uri="{9D8B030D-6E8A-4147-A177-3AD203B41FA5}">
                       <a16:colId xmlns:a16="http://schemas.microsoft.com/office/drawing/2014/main" val="3483693538"/>
                     </a:ext>
                   </a:extLst>
                 </a:gridCol>
-                <a:gridCol w="2687541">
+                <a:gridCol w="3041236">
                   <a:extLst>
                     <a:ext uri="{9D8B030D-6E8A-4147-A177-3AD203B41FA5}">
                       <a16:colId xmlns:a16="http://schemas.microsoft.com/office/drawing/2014/main" val="72673219"/>
                     </a:ext>
                   </a:extLst>
                 </a:gridCol>
-                <a:gridCol w="764084">
+                <a:gridCol w="653925">
                   <a:extLst>
                     <a:ext uri="{9D8B030D-6E8A-4147-A177-3AD203B41FA5}">
                       <a16:colId xmlns:a16="http://schemas.microsoft.com/office/drawing/2014/main" val="104799686"/>
@@ -4511,7 +4511,7 @@
                     <a:lstStyle/>
                     <a:p>
                       <a:r>
-                        <a:rPr kumimoji="1" lang="ja-JP" altLang="en-US"/>
+                        <a:rPr kumimoji="1" lang="ja-JP" altLang="en-US" sz="1100"/>
                         <a:t>セグメント名</a:t>
                       </a:r>
                     </a:p>
@@ -4524,7 +4524,7 @@
                     <a:lstStyle/>
                     <a:p>
                       <a:r>
-                        <a:rPr kumimoji="1" lang="ja-JP" altLang="en-US"/>
+                        <a:rPr kumimoji="1" lang="ja-JP" altLang="en-US" sz="1100"/>
                         <a:t>概要</a:t>
                       </a:r>
                     </a:p>
@@ -4537,7 +4537,7 @@
                     <a:lstStyle/>
                     <a:p>
                       <a:r>
-                        <a:rPr kumimoji="1" lang="ja-JP" altLang="en-US"/>
+                        <a:rPr kumimoji="1" lang="ja-JP" altLang="en-US" sz="1100"/>
                         <a:t>担当者</a:t>
                       </a:r>
                     </a:p>
@@ -4557,7 +4557,101 @@
                     <a:lstStyle/>
                     <a:p>
                       <a:r>
-                        <a:rPr kumimoji="1" lang="ja-JP" altLang="en-US"/>
+                        <a:rPr kumimoji="1" lang="ja-JP" altLang="en-US" sz="1100"/>
+                        <a:t>アイディア</a:t>
+                      </a:r>
+                    </a:p>
+                  </a:txBody>
+                  <a:tcPr/>
+                </a:tc>
+                <a:tc>
+                  <a:txBody>
+                    <a:bodyPr/>
+                    <a:lstStyle/>
+                    <a:p>
+                      <a:r>
+                        <a:rPr kumimoji="1" lang="ja-JP" altLang="en-US" sz="1100"/>
+                        <a:t>テトリス、ジェスチャー、通信を考える</a:t>
+                      </a:r>
+                      <a:endParaRPr kumimoji="1" lang="en-US" altLang="ja-JP" sz="1100" dirty="0"/>
+                    </a:p>
+                  </a:txBody>
+                  <a:tcPr/>
+                </a:tc>
+                <a:tc>
+                  <a:txBody>
+                    <a:bodyPr/>
+                    <a:lstStyle/>
+                    <a:p>
+                      <a:r>
+                        <a:rPr kumimoji="1" lang="ja-JP" altLang="en-US" sz="1100"/>
+                        <a:t>全員</a:t>
+                      </a:r>
+                    </a:p>
+                  </a:txBody>
+                  <a:tcPr/>
+                </a:tc>
+                <a:extLst>
+                  <a:ext uri="{0D108BD9-81ED-4DB2-BD59-A6C34878D82A}">
+                    <a16:rowId xmlns:a16="http://schemas.microsoft.com/office/drawing/2014/main" val="593577518"/>
+                  </a:ext>
+                </a:extLst>
+              </a:tr>
+              <a:tr h="370840">
+                <a:tc>
+                  <a:txBody>
+                    <a:bodyPr/>
+                    <a:lstStyle/>
+                    <a:p>
+                      <a:r>
+                        <a:rPr kumimoji="1" lang="ja-JP" altLang="en-US" sz="1100"/>
+                        <a:t>要件定義</a:t>
+                      </a:r>
+                    </a:p>
+                  </a:txBody>
+                  <a:tcPr/>
+                </a:tc>
+                <a:tc>
+                  <a:txBody>
+                    <a:bodyPr/>
+                    <a:lstStyle/>
+                    <a:p>
+                      <a:r>
+                        <a:rPr kumimoji="1" lang="ja-JP" altLang="en-US" sz="1100"/>
+                        <a:t>役割分担、クラス図を描画する</a:t>
+                      </a:r>
+                      <a:endParaRPr kumimoji="1" lang="en-US" altLang="ja-JP" sz="1100" dirty="0"/>
+                    </a:p>
+                  </a:txBody>
+                  <a:tcPr/>
+                </a:tc>
+                <a:tc>
+                  <a:txBody>
+                    <a:bodyPr/>
+                    <a:lstStyle/>
+                    <a:p>
+                      <a:r>
+                        <a:rPr kumimoji="1" lang="ja-JP" altLang="en-US" sz="1100"/>
+                        <a:t>全員</a:t>
+                      </a:r>
+                    </a:p>
+                  </a:txBody>
+                  <a:tcPr/>
+                </a:tc>
+                <a:extLst>
+                  <a:ext uri="{0D108BD9-81ED-4DB2-BD59-A6C34878D82A}">
+                    <a16:rowId xmlns:a16="http://schemas.microsoft.com/office/drawing/2014/main" val="2318076048"/>
+                  </a:ext>
+                </a:extLst>
+              </a:tr>
+              <a:tr h="370840">
+                <a:tc>
+                  <a:txBody>
+                    <a:bodyPr/>
+                    <a:lstStyle/>
+                    <a:p>
+                      <a:r>
+                        <a:rPr kumimoji="1" lang="ja-JP" altLang="en-US" sz="1100"/>
                         <a:t>ジェスチャー</a:t>
                       </a:r>
                     </a:p>
@@ -4570,7 +4664,7 @@
                     <a:lstStyle/>
                     <a:p>
                       <a:r>
-                        <a:rPr kumimoji="1" lang="ja-JP" altLang="en-US"/>
+                        <a:rPr kumimoji="1" lang="ja-JP" altLang="en-US" sz="1100"/>
                         <a:t>ジェスチャー入力部分を作成・改修する</a:t>
                       </a:r>
                     </a:p>
@@ -4583,7 +4677,7 @@
                     <a:lstStyle/>
                     <a:p>
                       <a:r>
-                        <a:rPr kumimoji="1" lang="ja-JP" altLang="en-US"/>
+                        <a:rPr kumimoji="1" lang="ja-JP" altLang="en-US" sz="1100"/>
                         <a:t>鳥羽</a:t>
                       </a:r>
                     </a:p>
@@ -4603,14 +4697,7 @@
                     <a:lstStyle/>
                     <a:p>
                       <a:r>
-                        <a:rPr kumimoji="1" lang="ja-JP" altLang="en-US"/>
-                        <a:t>テトリス・</a:t>
-                      </a:r>
-                      <a:endParaRPr kumimoji="1" lang="en-US" altLang="ja-JP" dirty="0"/>
-                    </a:p>
-                    <a:p>
-                      <a:r>
-                        <a:rPr kumimoji="1" lang="ja-JP" altLang="en-US"/>
+                        <a:rPr kumimoji="1" lang="ja-JP" altLang="en-US" sz="1100"/>
                         <a:t>アルゴリズム</a:t>
                       </a:r>
                     </a:p>
@@ -4623,7 +4710,7 @@
                     <a:lstStyle/>
                     <a:p>
                       <a:r>
-                        <a:rPr kumimoji="1" lang="ja-JP" altLang="en-US"/>
+                        <a:rPr kumimoji="1" lang="ja-JP" altLang="en-US" sz="1100"/>
                         <a:t>テトリスのアルゴリズムを作成する</a:t>
                       </a:r>
                     </a:p>
@@ -4636,7 +4723,7 @@
                     <a:lstStyle/>
                     <a:p>
                       <a:r>
-                        <a:rPr kumimoji="1" lang="ja-JP" altLang="en-US"/>
+                        <a:rPr kumimoji="1" lang="ja-JP" altLang="en-US" sz="1100"/>
                         <a:t>鳥羽</a:t>
                       </a:r>
                     </a:p>
@@ -4656,17 +4743,10 @@
                     <a:lstStyle/>
                     <a:p>
                       <a:r>
-                        <a:rPr kumimoji="1" lang="ja-JP" altLang="en-US"/>
-                        <a:t>テトリス・</a:t>
-                      </a:r>
-                      <a:endParaRPr kumimoji="1" lang="en-US" altLang="ja-JP" dirty="0"/>
-                    </a:p>
-                    <a:p>
-                      <a:r>
-                        <a:rPr kumimoji="1" lang="en-US" altLang="ja-JP" dirty="0"/>
+                        <a:rPr kumimoji="1" lang="en-US" altLang="ja-JP" sz="1100" dirty="0"/>
                         <a:t>GUI</a:t>
                       </a:r>
-                      <a:endParaRPr kumimoji="1" lang="ja-JP" altLang="en-US"/>
+                      <a:endParaRPr kumimoji="1" lang="ja-JP" altLang="en-US" sz="1100"/>
                     </a:p>
                   </a:txBody>
                   <a:tcPr/>
@@ -4677,7 +4757,7 @@
                     <a:lstStyle/>
                     <a:p>
                       <a:r>
-                        <a:rPr kumimoji="1" lang="ja-JP" altLang="en-US"/>
+                        <a:rPr kumimoji="1" lang="ja-JP" altLang="en-US" sz="1100"/>
                         <a:t>テトリスをグラフィカルに表示させる</a:t>
                       </a:r>
                     </a:p>
@@ -4690,7 +4770,7 @@
                     <a:lstStyle/>
                     <a:p>
                       <a:r>
-                        <a:rPr kumimoji="1" lang="ja-JP" altLang="en-US"/>
+                        <a:rPr kumimoji="1" lang="ja-JP" altLang="en-US" sz="1100"/>
                         <a:t>藤原</a:t>
                       </a:r>
                     </a:p>
@@ -4710,7 +4790,7 @@
                     <a:lstStyle/>
                     <a:p>
                       <a:r>
-                        <a:rPr kumimoji="1" lang="ja-JP" altLang="en-US"/>
+                        <a:rPr kumimoji="1" lang="ja-JP" altLang="en-US" sz="1100"/>
                         <a:t>サーバー</a:t>
                       </a:r>
                     </a:p>
@@ -4723,7 +4803,7 @@
                     <a:lstStyle/>
                     <a:p>
                       <a:r>
-                        <a:rPr kumimoji="1" lang="ja-JP" altLang="en-US"/>
+                        <a:rPr kumimoji="1" lang="ja-JP" altLang="en-US" sz="1100"/>
                         <a:t>通信対戦用のサーバーを管理する</a:t>
                       </a:r>
                     </a:p>
@@ -4736,7 +4816,7 @@
                     <a:lstStyle/>
                     <a:p>
                       <a:r>
-                        <a:rPr kumimoji="1" lang="ja-JP" altLang="en-US"/>
+                        <a:rPr kumimoji="1" lang="ja-JP" altLang="en-US" sz="1100"/>
                         <a:t>鎌田</a:t>
                       </a:r>
                     </a:p>
@@ -4756,13 +4836,9 @@
                     <a:lstStyle/>
                     <a:p>
                       <a:r>
-                        <a:rPr kumimoji="1" lang="ja-JP" altLang="en-US"/>
-                        <a:t>パワーポイント</a:t>
+                        <a:rPr kumimoji="1" lang="ja-JP" altLang="en-US" sz="1100"/>
+                        <a:t>クライアント</a:t>
                       </a:r>
-                      <a:endParaRPr kumimoji="1" lang="en-US" altLang="ja-JP" dirty="0"/>
-                    </a:p>
-                    <a:p>
-                      <a:endParaRPr kumimoji="1" lang="ja-JP" altLang="en-US"/>
                     </a:p>
                   </a:txBody>
                   <a:tcPr/>
@@ -4773,15 +4849,108 @@
                     <a:lstStyle/>
                     <a:p>
                       <a:r>
-                        <a:rPr kumimoji="1" lang="ja-JP" altLang="en-US"/>
+                        <a:rPr kumimoji="1" lang="ja-JP" altLang="en-US" sz="1100"/>
+                        <a:t>サーバーに対する送受信を管理する</a:t>
+                      </a:r>
+                    </a:p>
+                  </a:txBody>
+                  <a:tcPr/>
+                </a:tc>
+                <a:tc>
+                  <a:txBody>
+                    <a:bodyPr/>
+                    <a:lstStyle/>
+                    <a:p>
+                      <a:r>
+                        <a:rPr kumimoji="1" lang="ja-JP" altLang="en-US" sz="1100"/>
+                        <a:t>鎌田</a:t>
+                      </a:r>
+                    </a:p>
+                  </a:txBody>
+                  <a:tcPr/>
+                </a:tc>
+                <a:extLst>
+                  <a:ext uri="{0D108BD9-81ED-4DB2-BD59-A6C34878D82A}">
+                    <a16:rowId xmlns:a16="http://schemas.microsoft.com/office/drawing/2014/main" val="3364529666"/>
+                  </a:ext>
+                </a:extLst>
+              </a:tr>
+              <a:tr h="370840">
+                <a:tc>
+                  <a:txBody>
+                    <a:bodyPr/>
+                    <a:lstStyle/>
+                    <a:p>
+                      <a:r>
+                        <a:rPr kumimoji="1" lang="ja-JP" altLang="en-US" sz="1100"/>
+                        <a:t>その他諸々</a:t>
+                      </a:r>
+                    </a:p>
+                  </a:txBody>
+                  <a:tcPr/>
+                </a:tc>
+                <a:tc>
+                  <a:txBody>
+                    <a:bodyPr/>
+                    <a:lstStyle/>
+                    <a:p>
+                      <a:r>
+                        <a:rPr kumimoji="1" lang="ja-JP" altLang="en-US" sz="1100"/>
+                        <a:t>罰ゲームなどを実装する</a:t>
+                      </a:r>
+                    </a:p>
+                  </a:txBody>
+                  <a:tcPr/>
+                </a:tc>
+                <a:tc>
+                  <a:txBody>
+                    <a:bodyPr/>
+                    <a:lstStyle/>
+                    <a:p>
+                      <a:r>
+                        <a:rPr kumimoji="1" lang="ja-JP" altLang="en-US" sz="1100"/>
+                        <a:t>鳥羽</a:t>
+                      </a:r>
+                    </a:p>
+                  </a:txBody>
+                  <a:tcPr/>
+                </a:tc>
+                <a:extLst>
+                  <a:ext uri="{0D108BD9-81ED-4DB2-BD59-A6C34878D82A}">
+                    <a16:rowId xmlns:a16="http://schemas.microsoft.com/office/drawing/2014/main" val="1961843848"/>
+                  </a:ext>
+                </a:extLst>
+              </a:tr>
+              <a:tr h="370840">
+                <a:tc>
+                  <a:txBody>
+                    <a:bodyPr/>
+                    <a:lstStyle/>
+                    <a:p>
+                      <a:r>
+                        <a:rPr kumimoji="1" lang="ja-JP" altLang="en-US" sz="1100"/>
+                        <a:t>パワーポイント</a:t>
+                      </a:r>
+                      <a:endParaRPr kumimoji="1" lang="en-US" altLang="ja-JP" sz="1100" dirty="0"/>
+                    </a:p>
+                  </a:txBody>
+                  <a:tcPr/>
+                </a:tc>
+                <a:tc>
+                  <a:txBody>
+                    <a:bodyPr/>
+                    <a:lstStyle/>
+                    <a:p>
+                      <a:r>
+                        <a:rPr kumimoji="1" lang="ja-JP" altLang="en-US" sz="1100"/>
                         <a:t>パワーポイントで</a:t>
                       </a:r>
                       <a:r>
-                        <a:rPr kumimoji="1" lang="en-US" altLang="ja-JP" dirty="0"/>
+                        <a:rPr kumimoji="1" lang="en-US" altLang="ja-JP" sz="1100" dirty="0"/>
                         <a:t>PR</a:t>
                       </a:r>
                       <a:r>
-                        <a:rPr kumimoji="1" lang="ja-JP" altLang="en-US"/>
+                        <a:rPr kumimoji="1" lang="ja-JP" altLang="en-US" sz="1100"/>
                         <a:t>を作成する</a:t>
                       </a:r>
                     </a:p>
@@ -4794,7 +4963,7 @@
                     <a:lstStyle/>
                     <a:p>
                       <a:r>
-                        <a:rPr kumimoji="1" lang="ja-JP" altLang="en-US"/>
+                        <a:rPr kumimoji="1" lang="ja-JP" altLang="en-US" sz="1100"/>
                         <a:t>藤原</a:t>
                       </a:r>
                     </a:p>

--- a/PR.pptx
+++ b/PR.pptx
@@ -2907,10 +2907,9 @@
           </a:lstStyle>
           <a:p>
             <a:r>
-              <a:rPr lang="en-US"/>
+              <a:rPr lang="en-US" dirty="0"/>
               <a:t>Click icon to add picture</a:t>
             </a:r>
-            <a:endParaRPr lang="en-US" dirty="0"/>
           </a:p>
         </p:txBody>
       </p:sp>
@@ -3909,7 +3908,7 @@
           <a:lstStyle/>
           <a:p>
             <a:pPr algn="ctr"/>
-            <a:endParaRPr lang="en-US" sz="1013"/>
+            <a:endParaRPr lang="en-US" sz="1013" dirty="0"/>
           </a:p>
         </p:txBody>
       </p:sp>
@@ -4081,20 +4080,12 @@
           <a:lstStyle/>
           <a:p>
             <a:r>
-              <a:rPr kumimoji="1" lang="en-US" altLang="ja-JP" dirty="0" err="1">
-                <a:solidFill>
-                  <a:schemeClr val="tx1"/>
-                </a:solidFill>
-              </a:rPr>
-              <a:t>Vendredi</a:t>
-            </a:r>
-            <a:r>
               <a:rPr kumimoji="1" lang="en-US" altLang="ja-JP" dirty="0">
                 <a:solidFill>
                   <a:schemeClr val="tx1"/>
                 </a:solidFill>
               </a:rPr>
-              <a:t> Noir</a:t>
+              <a:t>Vendredi Noir</a:t>
             </a:r>
             <a:endParaRPr kumimoji="1" lang="ja-JP" altLang="en-US">
               <a:solidFill>
@@ -4294,7 +4285,7 @@
           <a:lstStyle/>
           <a:p>
             <a:pPr algn="ctr"/>
-            <a:endParaRPr lang="en-US"/>
+            <a:endParaRPr lang="en-US" dirty="0"/>
           </a:p>
         </p:txBody>
       </p:sp>
@@ -5074,7 +5065,7 @@
           <a:lstStyle/>
           <a:p>
             <a:pPr algn="ctr"/>
-            <a:endParaRPr lang="en-US"/>
+            <a:endParaRPr lang="en-US" dirty="0"/>
           </a:p>
         </p:txBody>
       </p:sp>
@@ -5259,7 +5250,7 @@
           <a:lstStyle/>
           <a:p>
             <a:r>
-              <a:rPr kumimoji="1" lang="en-US" altLang="ja-JP" sz="1600" dirty="0" err="1"/>
+              <a:rPr kumimoji="1" lang="en-US" altLang="ja-JP" sz="1600" dirty="0"/>
               <a:t>AirGesture</a:t>
             </a:r>
             <a:r>
@@ -5267,12 +5258,8 @@
               <a:t>、</a:t>
             </a:r>
             <a:r>
-              <a:rPr kumimoji="1" lang="it-IT" altLang="ja-JP" sz="1600" dirty="0" err="1"/>
-              <a:t>GitHub</a:t>
-            </a:r>
-            <a:r>
               <a:rPr kumimoji="1" lang="it-IT" altLang="ja-JP" sz="1600" dirty="0"/>
-              <a:t> </a:t>
+              <a:t>GitHub </a:t>
             </a:r>
             <a:r>
               <a:rPr lang="it-IT" altLang="ja-JP" sz="1600" dirty="0">
@@ -5401,7 +5388,7 @@
           <a:lstStyle/>
           <a:p>
             <a:pPr algn="ctr"/>
-            <a:endParaRPr lang="en-US"/>
+            <a:endParaRPr lang="en-US" dirty="0"/>
           </a:p>
         </p:txBody>
       </p:sp>
@@ -5434,7 +5421,7 @@
           <a:lstStyle/>
           <a:p>
             <a:r>
-              <a:rPr kumimoji="1" lang="en-US" altLang="ja-JP" sz="3000">
+              <a:rPr kumimoji="1" lang="en-US" altLang="ja-JP" sz="3000" dirty="0">
                 <a:solidFill>
                   <a:schemeClr val="accent1"/>
                 </a:solidFill>
@@ -5652,15 +5639,7 @@
             </a:r>
             <a:r>
               <a:rPr kumimoji="1" lang="en-US" altLang="ja-JP" sz="1500" dirty="0"/>
-              <a:t>«</a:t>
-            </a:r>
-            <a:r>
-              <a:rPr kumimoji="1" lang="en-US" altLang="ja-JP" sz="1500" dirty="0" err="1"/>
-              <a:t>Vendredi</a:t>
-            </a:r>
-            <a:r>
-              <a:rPr kumimoji="1" lang="en-US" altLang="ja-JP" sz="1500" dirty="0"/>
-              <a:t> Noir»</a:t>
+              <a:t>«Vendredi Noir»</a:t>
             </a:r>
             <a:r>
               <a:rPr kumimoji="1" lang="ja-JP" altLang="en-US" sz="1500"/>
@@ -5771,7 +5750,7 @@
           <a:lstStyle/>
           <a:p>
             <a:pPr algn="ctr"/>
-            <a:endParaRPr lang="en-US"/>
+            <a:endParaRPr lang="en-US" dirty="0"/>
           </a:p>
         </p:txBody>
       </p:sp>
@@ -5956,7 +5935,7 @@
           <a:lstStyle/>
           <a:p>
             <a:r>
-              <a:rPr kumimoji="1" lang="ja-JP" altLang="en-US" sz="1500" dirty="0"/>
+              <a:rPr kumimoji="1" lang="ja-JP" altLang="en-US" sz="1500"/>
               <a:t>ジェスチャーでテトリスを</a:t>
             </a:r>
             <a:r>
@@ -5966,7 +5945,7 @@
           </a:p>
           <a:p>
             <a:r>
-              <a:rPr kumimoji="1" lang="ja-JP" altLang="en-US" sz="1500" dirty="0"/>
+              <a:rPr kumimoji="1" lang="ja-JP" altLang="en-US" sz="1500"/>
               <a:t>コマンドの入力はジェスチャーで行う</a:t>
             </a:r>
             <a:endParaRPr kumimoji="1" lang="en-US" altLang="ja-JP" sz="1500" dirty="0"/>
@@ -5976,7 +5955,6 @@
               <a:rPr kumimoji="1" lang="ja-JP" altLang="en-US" sz="1500"/>
               <a:t>サーバを利用して通信対戦</a:t>
             </a:r>
-            <a:endParaRPr kumimoji="1" lang="ja-JP" altLang="en-US" sz="1500" dirty="0"/>
           </a:p>
         </p:txBody>
       </p:sp>
@@ -6074,7 +6052,7 @@
           <a:lstStyle/>
           <a:p>
             <a:pPr algn="ctr"/>
-            <a:endParaRPr lang="en-US"/>
+            <a:endParaRPr lang="en-US" dirty="0"/>
           </a:p>
         </p:txBody>
       </p:sp>
@@ -6259,22 +6237,22 @@
           <a:lstStyle/>
           <a:p>
             <a:r>
-              <a:rPr kumimoji="1" lang="ja-JP" altLang="en-US" sz="1500" dirty="0"/>
+              <a:rPr kumimoji="1" lang="ja-JP" altLang="en-US" sz="1500"/>
               <a:t>演習で用いた</a:t>
             </a:r>
             <a:r>
-              <a:rPr kumimoji="1" lang="en-US" altLang="ja-JP" sz="1500" dirty="0" err="1"/>
+              <a:rPr kumimoji="1" lang="en-US" altLang="ja-JP" sz="1500" dirty="0"/>
               <a:t>PyQt</a:t>
             </a:r>
             <a:r>
-              <a:rPr kumimoji="1" lang="ja-JP" altLang="en-US" sz="1500" dirty="0"/>
+              <a:rPr kumimoji="1" lang="ja-JP" altLang="en-US" sz="1500"/>
               <a:t>を使いたい！</a:t>
             </a:r>
             <a:endParaRPr kumimoji="1" lang="en-US" altLang="ja-JP" sz="1500" dirty="0"/>
           </a:p>
           <a:p>
             <a:r>
-              <a:rPr kumimoji="1" lang="ja-JP" altLang="en-US" sz="1500" dirty="0"/>
+              <a:rPr kumimoji="1" lang="ja-JP" altLang="en-US" sz="1500"/>
               <a:t>今流行の（？）</a:t>
             </a:r>
             <a:r>
@@ -6282,31 +6260,31 @@
               <a:t>AI</a:t>
             </a:r>
             <a:r>
-              <a:rPr kumimoji="1" lang="ja-JP" altLang="en-US" sz="1500" dirty="0"/>
+              <a:rPr kumimoji="1" lang="ja-JP" altLang="en-US" sz="1500"/>
               <a:t>も使いたい！</a:t>
             </a:r>
             <a:endParaRPr kumimoji="1" lang="en-US" altLang="ja-JP" sz="1500" dirty="0"/>
           </a:p>
           <a:p>
             <a:r>
-              <a:rPr kumimoji="1" lang="ja-JP" altLang="en-US" sz="1500" dirty="0"/>
+              <a:rPr kumimoji="1" lang="ja-JP" altLang="en-US" sz="1500"/>
               <a:t>実用的な発展をしそうなものを作りたい！</a:t>
             </a:r>
             <a:endParaRPr kumimoji="1" lang="en-US" altLang="ja-JP" sz="1500" dirty="0"/>
           </a:p>
           <a:p>
             <a:r>
-              <a:rPr kumimoji="1" lang="ja-JP" altLang="en-US" sz="1500" dirty="0"/>
+              <a:rPr kumimoji="1" lang="ja-JP" altLang="en-US" sz="1500"/>
               <a:t>面白いとさらに</a:t>
             </a:r>
             <a:r>
-              <a:rPr kumimoji="1" lang="en-US" altLang="ja-JP" sz="1500"/>
+              <a:rPr kumimoji="1" lang="en-US" altLang="ja-JP" sz="1500" dirty="0"/>
               <a:t>Good!</a:t>
             </a:r>
-            <a:endParaRPr kumimoji="1" lang="ja-JP" altLang="en-US" sz="1500" dirty="0"/>
-          </a:p>
-          <a:p>
-            <a:endParaRPr kumimoji="1" lang="ja-JP" altLang="en-US" sz="1500" dirty="0"/>
+            <a:endParaRPr kumimoji="1" lang="ja-JP" altLang="en-US" sz="1500"/>
+          </a:p>
+          <a:p>
+            <a:endParaRPr kumimoji="1" lang="ja-JP" altLang="en-US" sz="1500"/>
           </a:p>
         </p:txBody>
       </p:sp>
@@ -6404,7 +6382,7 @@
           <a:lstStyle/>
           <a:p>
             <a:pPr algn="ctr"/>
-            <a:endParaRPr lang="en-US"/>
+            <a:endParaRPr lang="en-US" dirty="0"/>
           </a:p>
         </p:txBody>
       </p:sp>
@@ -6704,7 +6682,7 @@
           <a:lstStyle/>
           <a:p>
             <a:pPr algn="ctr"/>
-            <a:endParaRPr lang="en-US"/>
+            <a:endParaRPr lang="en-US" dirty="0"/>
           </a:p>
         </p:txBody>
       </p:sp>
@@ -7587,7 +7565,7 @@
           <a:lstStyle/>
           <a:p>
             <a:pPr algn="ctr"/>
-            <a:endParaRPr lang="en-US"/>
+            <a:endParaRPr lang="en-US" dirty="0"/>
           </a:p>
         </p:txBody>
       </p:sp>
@@ -7775,7 +7753,7 @@
           </a:p>
           <a:p>
             <a:r>
-              <a:rPr kumimoji="1" lang="ja-JP" altLang="en-US" sz="1500" dirty="0"/>
+              <a:rPr kumimoji="1" lang="ja-JP" altLang="en-US" sz="1500"/>
               <a:t>既存のプログラムを使う</a:t>
             </a:r>
             <a:r>
@@ -7783,7 +7761,7 @@
               <a:t>→</a:t>
             </a:r>
             <a:r>
-              <a:rPr kumimoji="1" lang="ja-JP" altLang="en-US" sz="1500" dirty="0"/>
+              <a:rPr kumimoji="1" lang="ja-JP" altLang="en-US" sz="1500"/>
               <a:t>失敗したから、独自にアルゴリズムを実装</a:t>
             </a:r>
             <a:endParaRPr kumimoji="1" lang="en-US" altLang="ja-JP" sz="1500" dirty="0"/>
@@ -7794,7 +7772,7 @@
               <a:t>Tetris</a:t>
             </a:r>
             <a:r>
-              <a:rPr kumimoji="1" lang="ja-JP" altLang="en-US" sz="1500" dirty="0"/>
+              <a:rPr kumimoji="1" lang="ja-JP" altLang="en-US" sz="1500"/>
               <a:t>の</a:t>
             </a:r>
             <a:r>
@@ -7802,7 +7780,7 @@
               <a:t>GUI</a:t>
             </a:r>
             <a:r>
-              <a:rPr kumimoji="1" lang="ja-JP" altLang="en-US" sz="1500" dirty="0"/>
+              <a:rPr kumimoji="1" lang="ja-JP" altLang="en-US" sz="1500"/>
               <a:t>を、演習で作った</a:t>
             </a:r>
             <a:r>
@@ -7810,14 +7788,14 @@
               <a:t>Minesweeper_gui</a:t>
             </a:r>
             <a:r>
-              <a:rPr kumimoji="1" lang="ja-JP" altLang="en-US" sz="1500" dirty="0"/>
+              <a:rPr kumimoji="1" lang="ja-JP" altLang="en-US" sz="1500"/>
               <a:t>を参考に作成</a:t>
             </a:r>
             <a:endParaRPr kumimoji="1" lang="en-US" altLang="ja-JP" sz="1500" dirty="0"/>
           </a:p>
           <a:p>
             <a:r>
-              <a:rPr kumimoji="1" lang="ja-JP" altLang="en-US" sz="1500" dirty="0"/>
+              <a:rPr kumimoji="1" lang="ja-JP" altLang="en-US" sz="1500"/>
               <a:t>サーバとの通信が安定して行えるように、なるべく動作が軽量になるように改良</a:t>
             </a:r>
             <a:endParaRPr kumimoji="1" lang="en-US" altLang="ja-JP" sz="1500" dirty="0"/>
@@ -7826,7 +7804,7 @@
             <a:endParaRPr kumimoji="1" lang="en-US" altLang="ja-JP" sz="1500" dirty="0"/>
           </a:p>
           <a:p>
-            <a:endParaRPr kumimoji="1" lang="ja-JP" altLang="en-US" sz="1500" dirty="0"/>
+            <a:endParaRPr kumimoji="1" lang="ja-JP" altLang="en-US" sz="1500"/>
           </a:p>
         </p:txBody>
       </p:sp>
@@ -7924,7 +7902,7 @@
           <a:lstStyle/>
           <a:p>
             <a:pPr algn="ctr"/>
-            <a:endParaRPr lang="en-US"/>
+            <a:endParaRPr lang="en-US" dirty="0"/>
           </a:p>
         </p:txBody>
       </p:sp>
@@ -8109,10 +8087,35 @@
           <a:lstStyle/>
           <a:p>
             <a:r>
-              <a:rPr kumimoji="1" lang="en-US" altLang="ja-JP" sz="1500" dirty="0" err="1"/>
-              <a:t>hogehoge</a:t>
-            </a:r>
-            <a:endParaRPr kumimoji="1" lang="ja-JP" altLang="en-US" sz="1500"/>
+              <a:rPr kumimoji="1" lang="en" altLang="ja-JP" sz="1600" b="1" dirty="0"/>
+              <a:t>Flask-</a:t>
+            </a:r>
+            <a:r>
+              <a:rPr kumimoji="1" lang="en" altLang="ja-JP" sz="1600" b="1" dirty="0" err="1"/>
+              <a:t>SocketIO</a:t>
+            </a:r>
+            <a:r>
+              <a:rPr kumimoji="1" lang="ja-JP" altLang="en-US" sz="1500"/>
+              <a:t>を用いたリアルタイム対戦サーバー</a:t>
+            </a:r>
+            <a:endParaRPr kumimoji="1" lang="en-US" altLang="ja-JP" sz="1500" dirty="0"/>
+          </a:p>
+          <a:p>
+            <a:r>
+              <a:rPr kumimoji="1" lang="en-US" altLang="ja-JP" sz="1500" dirty="0"/>
+              <a:t>Heroku</a:t>
+            </a:r>
+            <a:r>
+              <a:rPr kumimoji="1" lang="ja-JP" altLang="en-US" sz="1500"/>
+              <a:t>上で動作</a:t>
+            </a:r>
+            <a:endParaRPr kumimoji="1" lang="en-US" altLang="ja-JP" sz="1500" dirty="0"/>
+          </a:p>
+          <a:p>
+            <a:r>
+              <a:rPr kumimoji="1" lang="ja-JP" altLang="en-US" sz="1500"/>
+              <a:t>今回限りなので雑な作り</a:t>
+            </a:r>
           </a:p>
         </p:txBody>
       </p:sp>
@@ -8210,7 +8213,7 @@
           <a:lstStyle/>
           <a:p>
             <a:pPr algn="ctr"/>
-            <a:endParaRPr lang="en-US"/>
+            <a:endParaRPr lang="en-US" dirty="0"/>
           </a:p>
         </p:txBody>
       </p:sp>
@@ -8250,7 +8253,7 @@
               </a:rPr>
               <a:t>Demonstration</a:t>
             </a:r>
-            <a:endParaRPr kumimoji="1" lang="ja-JP" altLang="en-US" sz="2800" dirty="0">
+            <a:endParaRPr kumimoji="1" lang="ja-JP" altLang="en-US" sz="2800">
               <a:solidFill>
                 <a:schemeClr val="accent1"/>
               </a:solidFill>
